--- a/Federated Learning- Nguyen Trong Binh.pptx
+++ b/Federated Learning- Nguyen Trong Binh.pptx
@@ -5,7 +5,7 @@
     <p:sldMasterId id="2147483660" r:id="rId1"/>
   </p:sldMasterIdLst>
   <p:notesMasterIdLst>
-    <p:notesMasterId r:id="rId10"/>
+    <p:notesMasterId r:id="rId11"/>
   </p:notesMasterIdLst>
   <p:sldIdLst>
     <p:sldId id="1366" r:id="rId2"/>
@@ -16,6 +16,7 @@
     <p:sldId id="1385" r:id="rId7"/>
     <p:sldId id="1386" r:id="rId8"/>
     <p:sldId id="1387" r:id="rId9"/>
+    <p:sldId id="1388" r:id="rId10"/>
   </p:sldIdLst>
   <p:sldSz cx="12192000" cy="6858000"/>
   <p:notesSz cx="6858000" cy="9144000"/>
@@ -114,6 +115,11 @@
       </a:defRPr>
     </a:lvl9pPr>
   </p:defaultTextStyle>
+  <p:extLst>
+    <p:ext uri="{EFAFB233-063F-42B5-8137-9DF3F51BA10A}">
+      <p15:sldGuideLst xmlns:p15="http://schemas.microsoft.com/office/powerpoint/2012/main"/>
+    </p:ext>
+  </p:extLst>
 </p:presentation>
 </file>
 
@@ -199,7 +205,7 @@
           <a:p>
             <a:fld id="{AA200152-EC61-40A0-9CF7-BFC2318F2F73}" type="datetimeFigureOut">
               <a:rPr lang="en-US" smtClean="0"/>
-              <a:t>11/8/2023</a:t>
+              <a:t>11/9/2023</a:t>
             </a:fld>
             <a:endParaRPr lang="en-US"/>
           </a:p>
@@ -3288,7 +3294,7 @@
                 <a:ea typeface="맑은 고딕" panose="020B0503020000020004" pitchFamily="50" charset="-127"/>
                 <a:cs typeface="Arial" panose="020B0604020202020204" pitchFamily="34" charset="0"/>
               </a:rPr>
-              <a:t>Presented by Trong-Binh Nguyen</a:t>
+              <a:t>Presented by Trong-Binh Nguyen-202388548</a:t>
             </a:r>
             <a:br>
               <a:rPr kumimoji="0" lang="en-US" altLang="ko-KR" sz="2000" b="1" i="0" u="none" strike="noStrike" kern="1200" cap="none" spc="0" normalizeH="0" baseline="0" noProof="0" dirty="0">
@@ -8214,6 +8220,74 @@
   <p:transition>
     <p:fade/>
   </p:transition>
+</p:sld>
+</file>
+
+<file path=ppt/slides/slide9.xml><?xml version="1.0" encoding="utf-8"?>
+<p:sld xmlns:a="http://schemas.openxmlformats.org/drawingml/2006/main" xmlns:r="http://schemas.openxmlformats.org/officeDocument/2006/relationships" xmlns:p="http://schemas.openxmlformats.org/presentationml/2006/main">
+  <p:cSld>
+    <p:spTree>
+      <p:nvGrpSpPr>
+        <p:cNvPr id="1" name=""/>
+        <p:cNvGrpSpPr/>
+        <p:nvPr/>
+      </p:nvGrpSpPr>
+      <p:grpSpPr>
+        <a:xfrm>
+          <a:off x="0" y="0"/>
+          <a:ext cx="0" cy="0"/>
+          <a:chOff x="0" y="0"/>
+          <a:chExt cx="0" cy="0"/>
+        </a:xfrm>
+      </p:grpSpPr>
+      <p:sp>
+        <p:nvSpPr>
+          <p:cNvPr id="2" name="TextBox 1">
+            <a:extLst>
+              <a:ext uri="{FF2B5EF4-FFF2-40B4-BE49-F238E27FC236}">
+                <a16:creationId xmlns:a16="http://schemas.microsoft.com/office/drawing/2014/main" id="{E2D110C8-02F4-46E3-7DFF-94284214D654}"/>
+              </a:ext>
+            </a:extLst>
+          </p:cNvPr>
+          <p:cNvSpPr txBox="1"/>
+          <p:nvPr/>
+        </p:nvSpPr>
+        <p:spPr>
+          <a:xfrm>
+            <a:off x="4168877" y="2721114"/>
+            <a:ext cx="6676103" cy="707886"/>
+          </a:xfrm>
+          <a:prstGeom prst="rect">
+            <a:avLst/>
+          </a:prstGeom>
+          <a:noFill/>
+        </p:spPr>
+        <p:txBody>
+          <a:bodyPr wrap="square" rtlCol="0">
+            <a:spAutoFit/>
+          </a:bodyPr>
+          <a:lstStyle/>
+          <a:p>
+            <a:r>
+              <a:rPr lang="en-US" sz="4000" dirty="0">
+                <a:latin typeface="Times New Roman" panose="02020603050405020304" pitchFamily="18" charset="0"/>
+                <a:cs typeface="Times New Roman" panose="02020603050405020304" pitchFamily="18" charset="0"/>
+              </a:rPr>
+              <a:t>QUESTION ^_^</a:t>
+            </a:r>
+          </a:p>
+        </p:txBody>
+      </p:sp>
+    </p:spTree>
+    <p:extLst>
+      <p:ext uri="{BB962C8B-B14F-4D97-AF65-F5344CB8AC3E}">
+        <p14:creationId xmlns:p14="http://schemas.microsoft.com/office/powerpoint/2010/main" val="2182610158"/>
+      </p:ext>
+    </p:extLst>
+  </p:cSld>
+  <p:clrMapOvr>
+    <a:masterClrMapping/>
+  </p:clrMapOvr>
 </p:sld>
 </file>
 
